--- a/presentation.pptx
+++ b/presentation.pptx
@@ -287,7 +287,7 @@
           <a:p>
             <a:fld id="{02AC24A9-CCB6-4F8D-B8DB-C2F3692CFA5A}" type="datetimeFigureOut">
               <a:rPr lang="en-US" smtClean="0"/>
-              <a:t>11/11/2021</a:t>
+              <a:t>12/7/21</a:t>
             </a:fld>
             <a:endParaRPr lang="en-US"/>
           </a:p>
@@ -702,7 +702,7 @@
           <a:p>
             <a:fld id="{02AC24A9-CCB6-4F8D-B8DB-C2F3692CFA5A}" type="datetimeFigureOut">
               <a:rPr lang="en-US" smtClean="0"/>
-              <a:t>11/11/2021</a:t>
+              <a:t>12/7/21</a:t>
             </a:fld>
             <a:endParaRPr lang="en-US"/>
           </a:p>
@@ -3665,7 +3665,7 @@
               </a:rPr>
               <a:t>workshop-template</a:t>
             </a:r>
-            <a:endParaRPr lang="en-US"/>
+            <a:endParaRPr lang="en-US" dirty="0"/>
           </a:p>
           <a:p>
             <a:pPr>
